--- a/exam_ppt/new full structure.pptx
+++ b/exam_ppt/new full structure.pptx
@@ -268,7 +268,7 @@
           <a:p>
             <a:fld id="{3A3A7049-0F83-43A8-B9C4-8A86CAE6A906}" type="datetimeFigureOut">
               <a:rPr lang="en-IN" smtClean="0"/>
-              <a:t>06-06-2023</a:t>
+              <a:t>19-06-2023</a:t>
             </a:fld>
             <a:endParaRPr lang="en-IN"/>
           </a:p>
@@ -468,7 +468,7 @@
           <a:p>
             <a:fld id="{3A3A7049-0F83-43A8-B9C4-8A86CAE6A906}" type="datetimeFigureOut">
               <a:rPr lang="en-IN" smtClean="0"/>
-              <a:t>06-06-2023</a:t>
+              <a:t>19-06-2023</a:t>
             </a:fld>
             <a:endParaRPr lang="en-IN"/>
           </a:p>
@@ -678,7 +678,7 @@
           <a:p>
             <a:fld id="{3A3A7049-0F83-43A8-B9C4-8A86CAE6A906}" type="datetimeFigureOut">
               <a:rPr lang="en-IN" smtClean="0"/>
-              <a:t>06-06-2023</a:t>
+              <a:t>19-06-2023</a:t>
             </a:fld>
             <a:endParaRPr lang="en-IN"/>
           </a:p>
@@ -878,7 +878,7 @@
           <a:p>
             <a:fld id="{3A3A7049-0F83-43A8-B9C4-8A86CAE6A906}" type="datetimeFigureOut">
               <a:rPr lang="en-IN" smtClean="0"/>
-              <a:t>06-06-2023</a:t>
+              <a:t>19-06-2023</a:t>
             </a:fld>
             <a:endParaRPr lang="en-IN"/>
           </a:p>
@@ -1154,7 +1154,7 @@
           <a:p>
             <a:fld id="{3A3A7049-0F83-43A8-B9C4-8A86CAE6A906}" type="datetimeFigureOut">
               <a:rPr lang="en-IN" smtClean="0"/>
-              <a:t>06-06-2023</a:t>
+              <a:t>19-06-2023</a:t>
             </a:fld>
             <a:endParaRPr lang="en-IN"/>
           </a:p>
@@ -1422,7 +1422,7 @@
           <a:p>
             <a:fld id="{3A3A7049-0F83-43A8-B9C4-8A86CAE6A906}" type="datetimeFigureOut">
               <a:rPr lang="en-IN" smtClean="0"/>
-              <a:t>06-06-2023</a:t>
+              <a:t>19-06-2023</a:t>
             </a:fld>
             <a:endParaRPr lang="en-IN"/>
           </a:p>
@@ -1837,7 +1837,7 @@
           <a:p>
             <a:fld id="{3A3A7049-0F83-43A8-B9C4-8A86CAE6A906}" type="datetimeFigureOut">
               <a:rPr lang="en-IN" smtClean="0"/>
-              <a:t>06-06-2023</a:t>
+              <a:t>19-06-2023</a:t>
             </a:fld>
             <a:endParaRPr lang="en-IN"/>
           </a:p>
@@ -1979,7 +1979,7 @@
           <a:p>
             <a:fld id="{3A3A7049-0F83-43A8-B9C4-8A86CAE6A906}" type="datetimeFigureOut">
               <a:rPr lang="en-IN" smtClean="0"/>
-              <a:t>06-06-2023</a:t>
+              <a:t>19-06-2023</a:t>
             </a:fld>
             <a:endParaRPr lang="en-IN"/>
           </a:p>
@@ -2092,7 +2092,7 @@
           <a:p>
             <a:fld id="{3A3A7049-0F83-43A8-B9C4-8A86CAE6A906}" type="datetimeFigureOut">
               <a:rPr lang="en-IN" smtClean="0"/>
-              <a:t>06-06-2023</a:t>
+              <a:t>19-06-2023</a:t>
             </a:fld>
             <a:endParaRPr lang="en-IN"/>
           </a:p>
@@ -2405,7 +2405,7 @@
           <a:p>
             <a:fld id="{3A3A7049-0F83-43A8-B9C4-8A86CAE6A906}" type="datetimeFigureOut">
               <a:rPr lang="en-IN" smtClean="0"/>
-              <a:t>06-06-2023</a:t>
+              <a:t>19-06-2023</a:t>
             </a:fld>
             <a:endParaRPr lang="en-IN"/>
           </a:p>
@@ -2694,7 +2694,7 @@
           <a:p>
             <a:fld id="{3A3A7049-0F83-43A8-B9C4-8A86CAE6A906}" type="datetimeFigureOut">
               <a:rPr lang="en-IN" smtClean="0"/>
-              <a:t>06-06-2023</a:t>
+              <a:t>19-06-2023</a:t>
             </a:fld>
             <a:endParaRPr lang="en-IN"/>
           </a:p>
@@ -2937,7 +2937,7 @@
           <a:p>
             <a:fld id="{3A3A7049-0F83-43A8-B9C4-8A86CAE6A906}" type="datetimeFigureOut">
               <a:rPr lang="en-IN" smtClean="0"/>
-              <a:t>06-06-2023</a:t>
+              <a:t>19-06-2023</a:t>
             </a:fld>
             <a:endParaRPr lang="en-IN"/>
           </a:p>
@@ -7947,7 +7947,7 @@
         </p:nvSpPr>
         <p:spPr>
           <a:xfrm>
-            <a:off x="1187820" y="3496233"/>
+            <a:off x="1187820" y="3386418"/>
             <a:ext cx="2294970" cy="699247"/>
           </a:xfrm>
           <a:prstGeom prst="roundRect">
@@ -8254,7 +8254,7 @@
         <p:spPr>
           <a:xfrm flipH="1">
             <a:off x="2335305" y="2398057"/>
-            <a:ext cx="3558988" cy="1098176"/>
+            <a:ext cx="3558988" cy="988361"/>
           </a:xfrm>
           <a:prstGeom prst="straightConnector1">
             <a:avLst/>
